--- a/Capstone2_Asheville_NC.pptx
+++ b/Capstone2_Asheville_NC.pptx
@@ -5,7 +5,7 @@
     <p:sldMasterId id="2147483659" r:id="rId1"/>
   </p:sldMasterIdLst>
   <p:notesMasterIdLst>
-    <p:notesMasterId r:id="rId11"/>
+    <p:notesMasterId r:id="rId10"/>
   </p:notesMasterIdLst>
   <p:sldIdLst>
     <p:sldId id="256" r:id="rId2"/>
@@ -14,26 +14,25 @@
     <p:sldId id="259" r:id="rId5"/>
     <p:sldId id="260" r:id="rId6"/>
     <p:sldId id="261" r:id="rId7"/>
-    <p:sldId id="262" r:id="rId8"/>
+    <p:sldId id="264" r:id="rId8"/>
     <p:sldId id="263" r:id="rId9"/>
-    <p:sldId id="264" r:id="rId10"/>
   </p:sldIdLst>
   <p:sldSz cx="9144000" cy="6858000" type="screen4x3"/>
   <p:notesSz cx="6858000" cy="9144000"/>
   <p:embeddedFontLst>
     <p:embeddedFont>
       <p:font typeface="Playfair Display" pitchFamily="2" charset="77"/>
-      <p:regular r:id="rId12"/>
-      <p:bold r:id="rId13"/>
-      <p:italic r:id="rId14"/>
-      <p:boldItalic r:id="rId15"/>
+      <p:regular r:id="rId11"/>
+      <p:bold r:id="rId12"/>
+      <p:italic r:id="rId13"/>
+      <p:boldItalic r:id="rId14"/>
     </p:embeddedFont>
     <p:embeddedFont>
       <p:font typeface="Roboto" panose="02000000000000000000" pitchFamily="2" charset="0"/>
-      <p:regular r:id="rId16"/>
-      <p:bold r:id="rId17"/>
-      <p:italic r:id="rId18"/>
-      <p:boldItalic r:id="rId19"/>
+      <p:regular r:id="rId15"/>
+      <p:bold r:id="rId16"/>
+      <p:italic r:id="rId17"/>
+      <p:boldItalic r:id="rId18"/>
     </p:embeddedFont>
   </p:embeddedFontLst>
   <p:defaultTextStyle>
@@ -1205,7 +1204,7 @@
         </p:nvSpPr>
         <p:spPr>
           <a:xfrm>
-            <a:off x="1143300" y="685800"/>
+            <a:off x="1143000" y="685800"/>
             <a:ext cx="4572000" cy="3429000"/>
           </a:xfrm>
           <a:custGeom>
@@ -1413,7 +1412,7 @@
         </p:nvSpPr>
         <p:spPr>
           <a:xfrm>
-            <a:off x="1143300" y="685800"/>
+            <a:off x="1143000" y="685800"/>
             <a:ext cx="4572000" cy="3429000"/>
           </a:xfrm>
           <a:custGeom>
@@ -1493,7 +1492,7 @@
   <p:cSld>
     <p:spTree>
       <p:nvGrpSpPr>
-        <p:cNvPr id="1" name="Shape 90"/>
+        <p:cNvPr id="1" name="Shape 103"/>
         <p:cNvGrpSpPr/>
         <p:nvPr/>
       </p:nvGrpSpPr>
@@ -1507,7 +1506,7 @@
       </p:grpSpPr>
       <p:sp>
         <p:nvSpPr>
-          <p:cNvPr id="91" name="Google Shape;91;g8e52b47162_1_114:notes"/>
+          <p:cNvPr id="104" name="Google Shape;104;g8e52b47162_1_105:notes"/>
           <p:cNvSpPr>
             <a:spLocks noGrp="1" noRot="1" noChangeAspect="1"/>
           </p:cNvSpPr>
@@ -1517,7 +1516,7 @@
         </p:nvSpPr>
         <p:spPr>
           <a:xfrm>
-            <a:off x="1143300" y="685800"/>
+            <a:off x="1143000" y="685800"/>
             <a:ext cx="4572000" cy="3429000"/>
           </a:xfrm>
           <a:custGeom>
@@ -1548,7 +1547,7 @@
       </p:sp>
       <p:sp>
         <p:nvSpPr>
-          <p:cNvPr id="92" name="Google Shape;92;g8e52b47162_1_114:notes"/>
+          <p:cNvPr id="105" name="Google Shape;105;g8e52b47162_1_105:notes"/>
           <p:cNvSpPr txBox="1">
             <a:spLocks noGrp="1"/>
           </p:cNvSpPr>
@@ -1653,110 +1652,6 @@
       <p:sp>
         <p:nvSpPr>
           <p:cNvPr id="100" name="Google Shape;100;gc6f972163_0_49:notes"/>
-          <p:cNvSpPr txBox="1">
-            <a:spLocks noGrp="1"/>
-          </p:cNvSpPr>
-          <p:nvPr>
-            <p:ph type="body" idx="1"/>
-          </p:nvPr>
-        </p:nvSpPr>
-        <p:spPr>
-          <a:xfrm>
-            <a:off x="685800" y="4343400"/>
-            <a:ext cx="5486400" cy="4114800"/>
-          </a:xfrm>
-          <a:prstGeom prst="rect">
-            <a:avLst/>
-          </a:prstGeom>
-        </p:spPr>
-        <p:txBody>
-          <a:bodyPr spcFirstLastPara="1" wrap="square" lIns="91425" tIns="91425" rIns="91425" bIns="91425" anchor="t" anchorCtr="0">
-            <a:noAutofit/>
-          </a:bodyPr>
-          <a:lstStyle/>
-          <a:p>
-            <a:pPr marL="0" lvl="0" indent="0" algn="l" rtl="0">
-              <a:spcBef>
-                <a:spcPts val="0"/>
-              </a:spcBef>
-              <a:spcAft>
-                <a:spcPts val="0"/>
-              </a:spcAft>
-              <a:buNone/>
-            </a:pPr>
-            <a:endParaRPr/>
-          </a:p>
-        </p:txBody>
-      </p:sp>
-    </p:spTree>
-  </p:cSld>
-  <p:clrMapOvr>
-    <a:masterClrMapping/>
-  </p:clrMapOvr>
-</p:notes>
-</file>
-
-<file path=ppt/notesSlides/notesSlide9.xml><?xml version="1.0" encoding="utf-8"?>
-<p:notes xmlns:a="http://schemas.openxmlformats.org/drawingml/2006/main" xmlns:r="http://schemas.openxmlformats.org/officeDocument/2006/relationships" xmlns:p="http://schemas.openxmlformats.org/presentationml/2006/main" showMasterSp="0" showMasterPhAnim="0">
-  <p:cSld>
-    <p:spTree>
-      <p:nvGrpSpPr>
-        <p:cNvPr id="1" name="Shape 103"/>
-        <p:cNvGrpSpPr/>
-        <p:nvPr/>
-      </p:nvGrpSpPr>
-      <p:grpSpPr>
-        <a:xfrm>
-          <a:off x="0" y="0"/>
-          <a:ext cx="0" cy="0"/>
-          <a:chOff x="0" y="0"/>
-          <a:chExt cx="0" cy="0"/>
-        </a:xfrm>
-      </p:grpSpPr>
-      <p:sp>
-        <p:nvSpPr>
-          <p:cNvPr id="104" name="Google Shape;104;g8e52b47162_1_105:notes"/>
-          <p:cNvSpPr>
-            <a:spLocks noGrp="1" noRot="1" noChangeAspect="1"/>
-          </p:cNvSpPr>
-          <p:nvPr>
-            <p:ph type="sldImg" idx="2"/>
-          </p:nvPr>
-        </p:nvSpPr>
-        <p:spPr>
-          <a:xfrm>
-            <a:off x="1143300" y="685800"/>
-            <a:ext cx="4572000" cy="3429000"/>
-          </a:xfrm>
-          <a:custGeom>
-            <a:avLst/>
-            <a:gdLst/>
-            <a:ahLst/>
-            <a:cxnLst/>
-            <a:rect l="l" t="t" r="r" b="b"/>
-            <a:pathLst>
-              <a:path w="120000" h="120000" extrusionOk="0">
-                <a:moveTo>
-                  <a:pt x="0" y="0"/>
-                </a:moveTo>
-                <a:lnTo>
-                  <a:pt x="120000" y="0"/>
-                </a:lnTo>
-                <a:lnTo>
-                  <a:pt x="120000" y="120000"/>
-                </a:lnTo>
-                <a:lnTo>
-                  <a:pt x="0" y="120000"/>
-                </a:lnTo>
-                <a:close/>
-              </a:path>
-            </a:pathLst>
-          </a:custGeom>
-        </p:spPr>
-      </p:sp>
-      <p:sp>
-        <p:nvSpPr>
-          <p:cNvPr id="105" name="Google Shape;105;g8e52b47162_1_105:notes"/>
           <p:cNvSpPr txBox="1">
             <a:spLocks noGrp="1"/>
           </p:cNvSpPr>
@@ -7170,14 +7065,14 @@
               <a:buNone/>
             </a:pPr>
             <a:r>
-              <a:rPr lang="en">
+              <a:rPr lang="en" dirty="0">
                 <a:solidFill>
                   <a:srgbClr val="1C4587"/>
                 </a:solidFill>
               </a:rPr>
-              <a:t>77% of Airbnb Host list their location as Asheville, but consideration should be paid to the roughly 25% who don’t live locally since many are hosts with multiple listings.</a:t>
+              <a:t>77% of Airbnb Host (with more than 1 listing) indicate their location as Asheville, but consideration should also be paid to the roughly 25% who don’t live locally since many are hosts with multiple listings.</a:t>
             </a:r>
-            <a:endParaRPr>
+            <a:endParaRPr dirty="0">
               <a:solidFill>
                 <a:srgbClr val="1C4587"/>
               </a:solidFill>
@@ -7592,14 +7487,14 @@
               <a:buNone/>
             </a:pPr>
             <a:r>
-              <a:rPr lang="en">
+              <a:rPr lang="en" dirty="0">
                 <a:solidFill>
                   <a:srgbClr val="1C4587"/>
                 </a:solidFill>
               </a:rPr>
-              <a:t>Most host with multiple listings live locally with almost 87% having between 2 and 3 listings. The above chart is truncated due to size and represents only a portion of 134 local host who meet our criteria.</a:t>
+              <a:t>Most host with multiple listings live locally with almost 87% having between 2 and 3 listings. The above chart is truncated due to size and represents only a portion of 134 local host who meet the criteria.</a:t>
             </a:r>
-            <a:endParaRPr>
+            <a:endParaRPr dirty="0">
               <a:solidFill>
                 <a:srgbClr val="1C4587"/>
               </a:solidFill>
@@ -7644,390 +7539,6 @@
 </file>
 
 <file path=ppt/slides/slide7.xml><?xml version="1.0" encoding="utf-8"?>
-<p:sld xmlns:a="http://schemas.openxmlformats.org/drawingml/2006/main" xmlns:r="http://schemas.openxmlformats.org/officeDocument/2006/relationships" xmlns:p="http://schemas.openxmlformats.org/presentationml/2006/main">
-  <p:cSld>
-    <p:bg>
-      <p:bgPr>
-        <a:solidFill>
-          <a:srgbClr val="F3F3F3"/>
-        </a:solidFill>
-        <a:effectLst/>
-      </p:bgPr>
-    </p:bg>
-    <p:spTree>
-      <p:nvGrpSpPr>
-        <p:cNvPr id="1" name="Shape 93"/>
-        <p:cNvGrpSpPr/>
-        <p:nvPr/>
-      </p:nvGrpSpPr>
-      <p:grpSpPr>
-        <a:xfrm>
-          <a:off x="0" y="0"/>
-          <a:ext cx="0" cy="0"/>
-          <a:chOff x="0" y="0"/>
-          <a:chExt cx="0" cy="0"/>
-        </a:xfrm>
-      </p:grpSpPr>
-      <p:pic>
-        <p:nvPicPr>
-          <p:cNvPr id="94" name="Google Shape;94;p19"/>
-          <p:cNvPicPr preferRelativeResize="0"/>
-          <p:nvPr/>
-        </p:nvPicPr>
-        <p:blipFill>
-          <a:blip r:embed="rId3">
-            <a:alphaModFix amt="9000"/>
-          </a:blip>
-          <a:stretch>
-            <a:fillRect/>
-          </a:stretch>
-        </p:blipFill>
-        <p:spPr>
-          <a:xfrm>
-            <a:off x="50125" y="84100"/>
-            <a:ext cx="9033725" cy="6693700"/>
-          </a:xfrm>
-          <a:prstGeom prst="rect">
-            <a:avLst/>
-          </a:prstGeom>
-          <a:noFill/>
-          <a:ln>
-            <a:noFill/>
-          </a:ln>
-        </p:spPr>
-      </p:pic>
-      <p:sp>
-        <p:nvSpPr>
-          <p:cNvPr id="95" name="Google Shape;95;p19"/>
-          <p:cNvSpPr txBox="1">
-            <a:spLocks noGrp="1"/>
-          </p:cNvSpPr>
-          <p:nvPr>
-            <p:ph type="title"/>
-          </p:nvPr>
-        </p:nvSpPr>
-        <p:spPr>
-          <a:xfrm>
-            <a:off x="306688" y="593367"/>
-            <a:ext cx="8520600" cy="763500"/>
-          </a:xfrm>
-          <a:prstGeom prst="rect">
-            <a:avLst/>
-          </a:prstGeom>
-        </p:spPr>
-        <p:txBody>
-          <a:bodyPr spcFirstLastPara="1" wrap="square" lIns="91425" tIns="91425" rIns="91425" bIns="91425" anchor="t" anchorCtr="0">
-            <a:noAutofit/>
-          </a:bodyPr>
-          <a:lstStyle/>
-          <a:p>
-            <a:pPr marL="0" lvl="0" indent="0" algn="ctr" rtl="0">
-              <a:spcBef>
-                <a:spcPts val="0"/>
-              </a:spcBef>
-              <a:spcAft>
-                <a:spcPts val="0"/>
-              </a:spcAft>
-              <a:buNone/>
-            </a:pPr>
-            <a:r>
-              <a:rPr lang="en">
-                <a:solidFill>
-                  <a:srgbClr val="0B5394"/>
-                </a:solidFill>
-              </a:rPr>
-              <a:t>Recommendations:</a:t>
-            </a:r>
-            <a:endParaRPr>
-              <a:solidFill>
-                <a:srgbClr val="0B5394"/>
-              </a:solidFill>
-            </a:endParaRPr>
-          </a:p>
-        </p:txBody>
-      </p:sp>
-      <p:sp>
-        <p:nvSpPr>
-          <p:cNvPr id="96" name="Google Shape;96;p19"/>
-          <p:cNvSpPr txBox="1">
-            <a:spLocks noGrp="1"/>
-          </p:cNvSpPr>
-          <p:nvPr>
-            <p:ph type="body" idx="1"/>
-          </p:nvPr>
-        </p:nvSpPr>
-        <p:spPr>
-          <a:xfrm>
-            <a:off x="1383688" y="1563367"/>
-            <a:ext cx="6366600" cy="4555200"/>
-          </a:xfrm>
-          <a:prstGeom prst="rect">
-            <a:avLst/>
-          </a:prstGeom>
-        </p:spPr>
-        <p:txBody>
-          <a:bodyPr spcFirstLastPara="1" wrap="square" lIns="91425" tIns="91425" rIns="91425" bIns="91425" anchor="t" anchorCtr="0">
-            <a:noAutofit/>
-          </a:bodyPr>
-          <a:lstStyle/>
-          <a:p>
-            <a:pPr marL="457200" lvl="0" indent="0" algn="ctr" rtl="0">
-              <a:spcBef>
-                <a:spcPts val="0"/>
-              </a:spcBef>
-              <a:spcAft>
-                <a:spcPts val="0"/>
-              </a:spcAft>
-              <a:buNone/>
-            </a:pPr>
-            <a:r>
-              <a:rPr lang="en" sz="1600" b="1">
-                <a:solidFill>
-                  <a:srgbClr val="1C4587"/>
-                </a:solidFill>
-              </a:rPr>
-              <a:t>Stricter enforcement of current regulations</a:t>
-            </a:r>
-            <a:endParaRPr sz="1600" b="1">
-              <a:solidFill>
-                <a:srgbClr val="1C4587"/>
-              </a:solidFill>
-            </a:endParaRPr>
-          </a:p>
-          <a:p>
-            <a:pPr marL="457200" lvl="0" indent="0" algn="ctr" rtl="0">
-              <a:spcBef>
-                <a:spcPts val="1600"/>
-              </a:spcBef>
-              <a:spcAft>
-                <a:spcPts val="0"/>
-              </a:spcAft>
-              <a:buNone/>
-            </a:pPr>
-            <a:r>
-              <a:rPr lang="en" sz="1600" b="1">
-                <a:solidFill>
-                  <a:srgbClr val="1C4587"/>
-                </a:solidFill>
-              </a:rPr>
-              <a:t>Additional Resources and Staff</a:t>
-            </a:r>
-            <a:endParaRPr sz="1600" b="1">
-              <a:solidFill>
-                <a:srgbClr val="1C4587"/>
-              </a:solidFill>
-            </a:endParaRPr>
-          </a:p>
-          <a:p>
-            <a:pPr marL="457200" lvl="0" indent="0" algn="ctr" rtl="0">
-              <a:spcBef>
-                <a:spcPts val="1600"/>
-              </a:spcBef>
-              <a:spcAft>
-                <a:spcPts val="0"/>
-              </a:spcAft>
-              <a:buNone/>
-            </a:pPr>
-            <a:r>
-              <a:rPr lang="en" sz="1600" b="1">
-                <a:solidFill>
-                  <a:srgbClr val="1C4587"/>
-                </a:solidFill>
-              </a:rPr>
-              <a:t>More stringent oversight of the approval process</a:t>
-            </a:r>
-            <a:endParaRPr sz="1600" b="1">
-              <a:solidFill>
-                <a:srgbClr val="1C4587"/>
-              </a:solidFill>
-            </a:endParaRPr>
-          </a:p>
-          <a:p>
-            <a:pPr marL="457200" lvl="0" indent="0" algn="ctr" rtl="0">
-              <a:spcBef>
-                <a:spcPts val="1600"/>
-              </a:spcBef>
-              <a:spcAft>
-                <a:spcPts val="0"/>
-              </a:spcAft>
-              <a:buNone/>
-            </a:pPr>
-            <a:r>
-              <a:rPr lang="en" sz="1600" b="1">
-                <a:solidFill>
-                  <a:srgbClr val="1C4587"/>
-                </a:solidFill>
-              </a:rPr>
-              <a:t>Implementation and enforcement of fines with increasing penalties for repeat offenders</a:t>
-            </a:r>
-            <a:endParaRPr sz="1600" b="1">
-              <a:solidFill>
-                <a:srgbClr val="1C4587"/>
-              </a:solidFill>
-            </a:endParaRPr>
-          </a:p>
-          <a:p>
-            <a:pPr marL="457200" lvl="0" indent="0" algn="ctr" rtl="0">
-              <a:spcBef>
-                <a:spcPts val="1600"/>
-              </a:spcBef>
-              <a:spcAft>
-                <a:spcPts val="1600"/>
-              </a:spcAft>
-              <a:buNone/>
-            </a:pPr>
-            <a:r>
-              <a:rPr lang="en" sz="1600" b="1">
-                <a:solidFill>
-                  <a:srgbClr val="1C4587"/>
-                </a:solidFill>
-              </a:rPr>
-              <a:t>Particular emphasis on hosts with multiple listings who do not reside in the jurisdiction.</a:t>
-            </a:r>
-            <a:endParaRPr sz="1600" b="1">
-              <a:solidFill>
-                <a:srgbClr val="1C4587"/>
-              </a:solidFill>
-            </a:endParaRPr>
-          </a:p>
-        </p:txBody>
-      </p:sp>
-      <p:sp>
-        <p:nvSpPr>
-          <p:cNvPr id="97" name="Google Shape;97;p19"/>
-          <p:cNvSpPr txBox="1"/>
-          <p:nvPr/>
-        </p:nvSpPr>
-        <p:spPr>
-          <a:xfrm>
-            <a:off x="4547150" y="5715000"/>
-            <a:ext cx="4460100" cy="1010400"/>
-          </a:xfrm>
-          <a:prstGeom prst="rect">
-            <a:avLst/>
-          </a:prstGeom>
-          <a:noFill/>
-          <a:ln>
-            <a:noFill/>
-          </a:ln>
-        </p:spPr>
-        <p:txBody>
-          <a:bodyPr spcFirstLastPara="1" wrap="square" lIns="91425" tIns="91425" rIns="91425" bIns="91425" anchor="t" anchorCtr="0">
-            <a:noAutofit/>
-          </a:bodyPr>
-          <a:lstStyle/>
-          <a:p>
-            <a:pPr marL="0" lvl="0" indent="0" algn="r" rtl="0">
-              <a:spcBef>
-                <a:spcPts val="0"/>
-              </a:spcBef>
-              <a:spcAft>
-                <a:spcPts val="0"/>
-              </a:spcAft>
-              <a:buNone/>
-            </a:pPr>
-            <a:r>
-              <a:rPr lang="en"/>
-              <a:t>Dawn E. Walker</a:t>
-            </a:r>
-            <a:endParaRPr/>
-          </a:p>
-          <a:p>
-            <a:pPr marL="0" lvl="0" indent="0" algn="r" rtl="0">
-              <a:spcBef>
-                <a:spcPts val="0"/>
-              </a:spcBef>
-              <a:spcAft>
-                <a:spcPts val="0"/>
-              </a:spcAft>
-              <a:buNone/>
-            </a:pPr>
-            <a:r>
-              <a:rPr lang="en"/>
-              <a:t>Galvanize Cohort II</a:t>
-            </a:r>
-            <a:endParaRPr/>
-          </a:p>
-          <a:p>
-            <a:pPr marL="0" lvl="0" indent="0" algn="r" rtl="0">
-              <a:spcBef>
-                <a:spcPts val="0"/>
-              </a:spcBef>
-              <a:spcAft>
-                <a:spcPts val="0"/>
-              </a:spcAft>
-              <a:buNone/>
-            </a:pPr>
-            <a:r>
-              <a:rPr lang="en"/>
-              <a:t>Capstone II</a:t>
-            </a:r>
-            <a:endParaRPr/>
-          </a:p>
-        </p:txBody>
-      </p:sp>
-    </p:spTree>
-  </p:cSld>
-  <p:clrMapOvr>
-    <a:masterClrMapping/>
-  </p:clrMapOvr>
-</p:sld>
-</file>
-
-<file path=ppt/slides/slide8.xml><?xml version="1.0" encoding="utf-8"?>
-<p:sld xmlns:a="http://schemas.openxmlformats.org/drawingml/2006/main" xmlns:r="http://schemas.openxmlformats.org/officeDocument/2006/relationships" xmlns:p="http://schemas.openxmlformats.org/presentationml/2006/main">
-  <p:cSld>
-    <p:spTree>
-      <p:nvGrpSpPr>
-        <p:cNvPr id="1" name="Shape 101"/>
-        <p:cNvGrpSpPr/>
-        <p:nvPr/>
-      </p:nvGrpSpPr>
-      <p:grpSpPr>
-        <a:xfrm>
-          <a:off x="0" y="0"/>
-          <a:ext cx="0" cy="0"/>
-          <a:chOff x="0" y="0"/>
-          <a:chExt cx="0" cy="0"/>
-        </a:xfrm>
-      </p:grpSpPr>
-      <p:pic>
-        <p:nvPicPr>
-          <p:cNvPr id="102" name="Google Shape;102;p20"/>
-          <p:cNvPicPr preferRelativeResize="0"/>
-          <p:nvPr/>
-        </p:nvPicPr>
-        <p:blipFill>
-          <a:blip r:embed="rId3">
-            <a:alphaModFix/>
-          </a:blip>
-          <a:stretch>
-            <a:fillRect/>
-          </a:stretch>
-        </p:blipFill>
-        <p:spPr>
-          <a:xfrm>
-            <a:off x="0" y="0"/>
-            <a:ext cx="9144000" cy="7230733"/>
-          </a:xfrm>
-          <a:prstGeom prst="rect">
-            <a:avLst/>
-          </a:prstGeom>
-          <a:noFill/>
-          <a:ln>
-            <a:noFill/>
-          </a:ln>
-        </p:spPr>
-      </p:pic>
-    </p:spTree>
-  </p:cSld>
-  <p:clrMapOvr>
-    <a:masterClrMapping/>
-  </p:clrMapOvr>
-</p:sld>
-</file>
-
-<file path=ppt/slides/slide9.xml><?xml version="1.0" encoding="utf-8"?>
 <p:sld xmlns:a="http://schemas.openxmlformats.org/drawingml/2006/main" xmlns:r="http://schemas.openxmlformats.org/officeDocument/2006/relationships" xmlns:p="http://schemas.openxmlformats.org/presentationml/2006/main">
   <p:cSld>
     <p:spTree>
@@ -8107,14 +7618,14 @@
               <a:buNone/>
             </a:pPr>
             <a:r>
-              <a:rPr lang="en">
+              <a:rPr lang="en" dirty="0">
                 <a:solidFill>
                   <a:srgbClr val="1C4587"/>
                 </a:solidFill>
               </a:rPr>
-              <a:t>The above represents Airbnb hosts with a single listing who also appear to be operating illegally, but this group only represent about 13% of our single listings.</a:t>
+              <a:t>The above represents non-local, single listing hosts who also appear to be operating illegally. This group represents about 13% of our single listings.</a:t>
             </a:r>
-            <a:endParaRPr>
+            <a:endParaRPr dirty="0">
               <a:solidFill>
                 <a:srgbClr val="1C4587"/>
               </a:solidFill>
@@ -8172,6 +7683,59 @@
           </a:p>
         </p:txBody>
       </p:sp>
+    </p:spTree>
+  </p:cSld>
+  <p:clrMapOvr>
+    <a:masterClrMapping/>
+  </p:clrMapOvr>
+</p:sld>
+</file>
+
+<file path=ppt/slides/slide8.xml><?xml version="1.0" encoding="utf-8"?>
+<p:sld xmlns:a="http://schemas.openxmlformats.org/drawingml/2006/main" xmlns:r="http://schemas.openxmlformats.org/officeDocument/2006/relationships" xmlns:p="http://schemas.openxmlformats.org/presentationml/2006/main">
+  <p:cSld>
+    <p:spTree>
+      <p:nvGrpSpPr>
+        <p:cNvPr id="1" name="Shape 101"/>
+        <p:cNvGrpSpPr/>
+        <p:nvPr/>
+      </p:nvGrpSpPr>
+      <p:grpSpPr>
+        <a:xfrm>
+          <a:off x="0" y="0"/>
+          <a:ext cx="0" cy="0"/>
+          <a:chOff x="0" y="0"/>
+          <a:chExt cx="0" cy="0"/>
+        </a:xfrm>
+      </p:grpSpPr>
+      <p:pic>
+        <p:nvPicPr>
+          <p:cNvPr id="102" name="Google Shape;102;p20"/>
+          <p:cNvPicPr preferRelativeResize="0"/>
+          <p:nvPr/>
+        </p:nvPicPr>
+        <p:blipFill>
+          <a:blip r:embed="rId3">
+            <a:alphaModFix/>
+          </a:blip>
+          <a:stretch>
+            <a:fillRect/>
+          </a:stretch>
+        </p:blipFill>
+        <p:spPr>
+          <a:xfrm>
+            <a:off x="0" y="0"/>
+            <a:ext cx="9144000" cy="7230733"/>
+          </a:xfrm>
+          <a:prstGeom prst="rect">
+            <a:avLst/>
+          </a:prstGeom>
+          <a:noFill/>
+          <a:ln>
+            <a:noFill/>
+          </a:ln>
+        </p:spPr>
+      </p:pic>
     </p:spTree>
   </p:cSld>
   <p:clrMapOvr>
